--- a/Final term project_Taewon Kim(91221629)_20211205.pptx
+++ b/Final term project_Taewon Kim(91221629)_20211205.pptx
@@ -5,13 +5,16 @@
     <p:sldMasterId id="2147483661" r:id="rId1"/>
   </p:sldMasterIdLst>
   <p:notesMasterIdLst>
-    <p:notesMasterId r:id="rId6"/>
+    <p:notesMasterId r:id="rId9"/>
   </p:notesMasterIdLst>
   <p:sldIdLst>
     <p:sldId id="556" r:id="rId2"/>
     <p:sldId id="550" r:id="rId3"/>
     <p:sldId id="557" r:id="rId4"/>
-    <p:sldId id="558" r:id="rId5"/>
+    <p:sldId id="559" r:id="rId5"/>
+    <p:sldId id="560" r:id="rId6"/>
+    <p:sldId id="561" r:id="rId7"/>
+    <p:sldId id="562" r:id="rId8"/>
   </p:sldIdLst>
   <p:sldSz cx="9144000" cy="6858000" type="screen4x3"/>
   <p:notesSz cx="6797675" cy="9926638"/>
@@ -3652,7 +3655,7 @@
         </p:nvSpPr>
         <p:spPr>
           <a:xfrm>
-            <a:off x="2794856" y="4140962"/>
+            <a:off x="3368914" y="4123207"/>
             <a:ext cx="2406172" cy="461665"/>
           </a:xfrm>
           <a:prstGeom prst="rect">
@@ -3724,7 +3727,7 @@
           </a:p>
           <a:p>
             <a:r>
-              <a:rPr lang="en-US" altLang="ko-KR"/>
+              <a:rPr lang="en-US" altLang="ko-KR" dirty="0"/>
               <a:t>2021.12.05</a:t>
             </a:r>
             <a:endParaRPr lang="ko-KR" altLang="en-US" dirty="0"/>
@@ -3790,6 +3793,14 @@
 <file path=ppt/slides/slide2.xml><?xml version="1.0" encoding="utf-8"?>
 <p:sld xmlns:a="http://schemas.openxmlformats.org/drawingml/2006/main" xmlns:r="http://schemas.openxmlformats.org/officeDocument/2006/relationships" xmlns:p="http://schemas.openxmlformats.org/presentationml/2006/main">
   <p:cSld>
+    <p:bg>
+      <p:bgPr>
+        <a:solidFill>
+          <a:schemeClr val="bg1"/>
+        </a:solidFill>
+        <a:effectLst/>
+      </p:bgPr>
+    </p:bg>
     <p:spTree>
       <p:nvGrpSpPr>
         <p:cNvPr id="1" name=""/>
@@ -3822,23 +3833,85 @@
         </p:nvSpPr>
         <p:spPr>
           <a:xfrm>
-            <a:off x="407812" y="316027"/>
-            <a:ext cx="7886700" cy="609659"/>
-          </a:xfrm>
-        </p:spPr>
-        <p:txBody>
-          <a:bodyPr>
+            <a:off x="360759" y="3752849"/>
+            <a:ext cx="2468166" cy="2452687"/>
+          </a:xfrm>
+        </p:spPr>
+        <p:txBody>
+          <a:bodyPr vert="horz" lIns="91440" tIns="45720" rIns="91440" bIns="45720" rtlCol="0" anchor="ctr">
             <a:normAutofit/>
           </a:bodyPr>
           <a:lstStyle/>
           <a:p>
-            <a:r>
-              <a:rPr lang="en-US" altLang="ko-KR" dirty="0"/>
+            <a:pPr latinLnBrk="0"/>
+            <a:r>
+              <a:rPr lang="en-US" altLang="ko-KR" sz="3100">
+                <a:latin typeface="+mj-lt"/>
+                <a:cs typeface="+mj-cs"/>
+              </a:rPr>
               <a:t>Project plan</a:t>
             </a:r>
           </a:p>
         </p:txBody>
       </p:sp>
+      <p:pic>
+        <p:nvPicPr>
+          <p:cNvPr id="5" name="그림 4">
+            <a:extLst>
+              <a:ext uri="{FF2B5EF4-FFF2-40B4-BE49-F238E27FC236}">
+                <a16:creationId xmlns:a16="http://schemas.microsoft.com/office/drawing/2014/main" id="{57062678-D894-4156-962D-B83A851EFE50}"/>
+              </a:ext>
+            </a:extLst>
+          </p:cNvPr>
+          <p:cNvPicPr>
+            <a:picLocks noChangeAspect="1"/>
+          </p:cNvPicPr>
+          <p:nvPr/>
+        </p:nvPicPr>
+        <p:blipFill rotWithShape="1">
+          <a:blip r:embed="rId2"/>
+          <a:srcRect l="19244" r="50" b="-1"/>
+          <a:stretch/>
+        </p:blipFill>
+        <p:spPr>
+          <a:xfrm>
+            <a:off x="20" y="10"/>
+            <a:ext cx="9143980" cy="3710603"/>
+          </a:xfrm>
+          <a:custGeom>
+            <a:avLst/>
+            <a:gdLst/>
+            <a:ahLst/>
+            <a:cxnLst/>
+            <a:rect l="l" t="t" r="r" b="b"/>
+            <a:pathLst>
+              <a:path w="12192000" h="3692092">
+                <a:moveTo>
+                  <a:pt x="0" y="0"/>
+                </a:moveTo>
+                <a:lnTo>
+                  <a:pt x="12192000" y="0"/>
+                </a:lnTo>
+                <a:lnTo>
+                  <a:pt x="12192000" y="3504824"/>
+                </a:lnTo>
+                <a:lnTo>
+                  <a:pt x="12024691" y="3517794"/>
+                </a:lnTo>
+                <a:cubicBezTo>
+                  <a:pt x="8077523" y="3783195"/>
+                  <a:pt x="4094678" y="3026959"/>
+                  <a:pt x="160485" y="3663863"/>
+                </a:cubicBezTo>
+                <a:lnTo>
+                  <a:pt x="0" y="3692092"/>
+                </a:lnTo>
+                <a:close/>
+              </a:path>
+            </a:pathLst>
+          </a:custGeom>
+        </p:spPr>
+      </p:pic>
       <p:sp>
         <p:nvSpPr>
           <p:cNvPr id="3" name="Content Placeholder 2">
@@ -3857,83 +3930,108 @@
         </p:nvSpPr>
         <p:spPr>
           <a:xfrm>
-            <a:off x="407812" y="1112809"/>
-            <a:ext cx="8520054" cy="5633224"/>
-          </a:xfrm>
-        </p:spPr>
-        <p:txBody>
-          <a:bodyPr>
-            <a:normAutofit lnSpcReduction="10000"/>
+            <a:off x="2530136" y="4036936"/>
+            <a:ext cx="6613864" cy="2821054"/>
+          </a:xfrm>
+        </p:spPr>
+        <p:txBody>
+          <a:bodyPr vert="horz" lIns="91440" tIns="45720" rIns="91440" bIns="45720" rtlCol="0" anchor="ctr">
+            <a:normAutofit/>
           </a:bodyPr>
           <a:lstStyle/>
           <a:p>
-            <a:r>
-              <a:rPr lang="en-US" altLang="ko-KR" dirty="0"/>
-              <a:t>Topic: Monitoring outbound volume against capacity </a:t>
-            </a:r>
-          </a:p>
-          <a:p>
-            <a:r>
-              <a:rPr lang="en-US" altLang="ko-KR" dirty="0"/>
+            <a:pPr latinLnBrk="0">
+              <a:buFont typeface="Arial" panose="020B0604020202020204" pitchFamily="34" charset="0"/>
+              <a:buChar char="•"/>
+            </a:pPr>
+            <a:r>
+              <a:rPr lang="en-US" altLang="ko-KR" sz="1600" dirty="0">
+                <a:cs typeface="+mn-cs"/>
+              </a:rPr>
               <a:t>Background:</a:t>
             </a:r>
           </a:p>
           <a:p>
-            <a:pPr lvl="1"/>
-            <a:r>
-              <a:rPr lang="en-US" altLang="ko-KR" dirty="0"/>
-              <a:t>Outbound capacity plan is important to allocate total orders</a:t>
-            </a:r>
-          </a:p>
-          <a:p>
-            <a:pPr lvl="1"/>
-            <a:r>
-              <a:rPr lang="en-US" altLang="ko-KR" dirty="0"/>
-              <a:t>Outbound volume is getting increased</a:t>
-            </a:r>
-          </a:p>
-          <a:p>
-            <a:pPr lvl="1"/>
-            <a:r>
-              <a:rPr lang="en-US" altLang="ko-KR" dirty="0"/>
+            <a:pPr marL="781050" lvl="1" indent="-228600" latinLnBrk="0"/>
+            <a:r>
+              <a:rPr lang="en-US" altLang="ko-KR" sz="1600" dirty="0">
+                <a:cs typeface="+mn-cs"/>
+              </a:rPr>
+              <a:t>Outbound capacity plan for fulfillment centers is important to allocate total orders</a:t>
+            </a:r>
+          </a:p>
+          <a:p>
+            <a:pPr marL="781050" lvl="1" indent="-228600" latinLnBrk="0"/>
+            <a:r>
+              <a:rPr lang="en-US" altLang="ko-KR" sz="1600" dirty="0">
+                <a:cs typeface="+mn-cs"/>
+              </a:rPr>
+              <a:t>It seems outbound volume is getting increased</a:t>
+            </a:r>
+          </a:p>
+          <a:p>
+            <a:pPr marL="781050" lvl="1" indent="-228600" latinLnBrk="0"/>
+            <a:r>
+              <a:rPr lang="en-US" altLang="ko-KR" sz="1600" dirty="0">
+                <a:cs typeface="+mn-cs"/>
+              </a:rPr>
               <a:t>Adjusted capacity needs to be applied reflecting the current trend</a:t>
             </a:r>
           </a:p>
           <a:p>
-            <a:pPr marL="266700" lvl="1" indent="0">
-              <a:buNone/>
-            </a:pPr>
-            <a:endParaRPr lang="en-US" altLang="ko-KR" sz="2400" dirty="0"/>
-          </a:p>
-          <a:p>
-            <a:r>
-              <a:rPr lang="en-US" altLang="ko-KR" dirty="0"/>
-              <a:t>Objective: </a:t>
-            </a:r>
-          </a:p>
-          <a:p>
-            <a:pPr lvl="1"/>
-            <a:r>
-              <a:rPr lang="en-US" altLang="ko-KR" dirty="0"/>
-              <a:t>Checking the highest volume within the latest 30 day daily outbound volume</a:t>
-            </a:r>
-          </a:p>
-          <a:p>
-            <a:pPr lvl="1"/>
-            <a:r>
-              <a:rPr lang="en-US" altLang="ko-KR" dirty="0"/>
-              <a:t>Warning message if the highest volume is beyond planned capacity</a:t>
-            </a:r>
-          </a:p>
-          <a:p>
-            <a:pPr lvl="1"/>
-            <a:r>
-              <a:rPr lang="en-US" altLang="ko-KR" dirty="0"/>
-              <a:t>Suggest a fulfillment center which capacity needs to be adjusted to higher/lower</a:t>
-            </a:r>
-          </a:p>
-          <a:p>
-            <a:endParaRPr lang="en-US" altLang="ko-KR" dirty="0"/>
+            <a:pPr lvl="1" indent="-228600" latinLnBrk="0">
+              <a:lnSpc>
+                <a:spcPct val="100000"/>
+              </a:lnSpc>
+            </a:pPr>
+            <a:endParaRPr lang="en-US" altLang="ko-KR" sz="1600" dirty="0">
+              <a:cs typeface="+mn-cs"/>
+            </a:endParaRPr>
+          </a:p>
+          <a:p>
+            <a:pPr latinLnBrk="0">
+              <a:buFont typeface="Arial" panose="020B0604020202020204" pitchFamily="34" charset="0"/>
+              <a:buChar char="•"/>
+            </a:pPr>
+            <a:r>
+              <a:rPr lang="en-US" altLang="ko-KR" sz="1600" dirty="0">
+                <a:cs typeface="+mn-cs"/>
+              </a:rPr>
+              <a:t>Purpose: </a:t>
+            </a:r>
+          </a:p>
+          <a:p>
+            <a:pPr marL="781050" lvl="1" indent="-228600" latinLnBrk="0"/>
+            <a:r>
+              <a:rPr lang="en-US" altLang="ko-KR" sz="1600" dirty="0">
+                <a:cs typeface="+mn-cs"/>
+              </a:rPr>
+              <a:t>Monitoring outbound volume against capacity</a:t>
+            </a:r>
+          </a:p>
+          <a:p>
+            <a:pPr marL="781050" lvl="1" indent="-228600" latinLnBrk="0"/>
+            <a:r>
+              <a:rPr lang="en-US" altLang="ko-KR" sz="1600" dirty="0">
+                <a:cs typeface="+mn-cs"/>
+              </a:rPr>
+              <a:t>Forecasting next month’s demand</a:t>
+            </a:r>
+          </a:p>
+          <a:p>
+            <a:pPr marL="0" latinLnBrk="0">
+              <a:buFont typeface="Arial" panose="020B0604020202020204" pitchFamily="34" charset="0"/>
+              <a:buChar char="•"/>
+            </a:pPr>
+            <a:endParaRPr lang="en-US" altLang="ko-KR" sz="1600" dirty="0">
+              <a:cs typeface="+mn-cs"/>
+            </a:endParaRPr>
+          </a:p>
+          <a:p>
+            <a:pPr marL="266700" lvl="1" indent="-228600" latinLnBrk="0"/>
+            <a:endParaRPr lang="en-US" altLang="ko-KR" sz="1600" dirty="0">
+              <a:cs typeface="+mn-cs"/>
+            </a:endParaRPr>
           </a:p>
         </p:txBody>
       </p:sp>
@@ -3997,7 +4095,7 @@
           <a:p>
             <a:r>
               <a:rPr lang="en-US" altLang="ko-KR" dirty="0"/>
-              <a:t>Project plan</a:t>
+              <a:t>Creating data I</a:t>
             </a:r>
           </a:p>
         </p:txBody>
@@ -4026,78 +4124,362 @@
         </p:spPr>
         <p:txBody>
           <a:bodyPr>
-            <a:normAutofit fontScale="92500" lnSpcReduction="20000"/>
+            <a:normAutofit fontScale="70000" lnSpcReduction="20000"/>
           </a:bodyPr>
           <a:lstStyle/>
           <a:p>
             <a:r>
               <a:rPr lang="en-US" altLang="ko-KR" dirty="0"/>
-              <a:t>Variable:</a:t>
-            </a:r>
-          </a:p>
-          <a:p>
-            <a:pPr lvl="1"/>
+              <a:t>Date format setup:</a:t>
+            </a:r>
+          </a:p>
+          <a:p>
+            <a:pPr marL="266700" lvl="1" indent="0">
+              <a:buNone/>
+            </a:pPr>
             <a:r>
               <a:rPr lang="en-US" altLang="ko-KR" dirty="0"/>
-              <a:t>Date(30 days)</a:t>
-            </a:r>
-          </a:p>
-          <a:p>
-            <a:pPr lvl="1"/>
+              <a:t>year &lt;- 2021</a:t>
+            </a:r>
+          </a:p>
+          <a:p>
+            <a:pPr marL="266700" lvl="1" indent="0">
+              <a:buNone/>
+            </a:pPr>
             <a:r>
               <a:rPr lang="en-US" altLang="ko-KR" dirty="0"/>
-              <a:t>Fulfillment centers(More than 30)</a:t>
-            </a:r>
-          </a:p>
-          <a:p>
-            <a:pPr lvl="1"/>
+              <a:t>month &lt;- 10</a:t>
+            </a:r>
+          </a:p>
+          <a:p>
+            <a:pPr marL="266700" lvl="1" indent="0">
+              <a:buNone/>
+            </a:pPr>
             <a:r>
               <a:rPr lang="en-US" altLang="ko-KR" dirty="0"/>
-              <a:t>Outbound time(00:00, 01:00, 02:00, 03:00,,, 23:00): A certain daily sales start from “06:00 in the same day” to “05:59 in the next day”</a:t>
-            </a:r>
-          </a:p>
-          <a:p>
+              <a:t>day &lt;- 1:31</a:t>
+            </a:r>
+          </a:p>
+          <a:p>
+            <a:pPr marL="266700" lvl="1" indent="0">
+              <a:buNone/>
+            </a:pPr>
             <a:r>
               <a:rPr lang="en-US" altLang="ko-KR" dirty="0"/>
-              <a:t>Model to use:</a:t>
-            </a:r>
-          </a:p>
-          <a:p>
-            <a:pPr lvl="1"/>
+              <a:t>Date &lt;- </a:t>
+            </a:r>
+            <a:r>
+              <a:rPr lang="en-US" altLang="ko-KR" dirty="0" err="1"/>
+              <a:t>as.Date</a:t>
+            </a:r>
             <a:r>
               <a:rPr lang="en-US" altLang="ko-KR" dirty="0"/>
-              <a:t>Create random numbers for outbound volumes with right skewed data (Maximum outbound volume occurs at 21:00 ~ 24:00)</a:t>
-            </a:r>
-          </a:p>
-          <a:p>
-            <a:pPr lvl="1"/>
+              <a:t>(</a:t>
+            </a:r>
+            <a:r>
+              <a:rPr lang="en-US" altLang="ko-KR" dirty="0" err="1"/>
+              <a:t>ISOdate</a:t>
+            </a:r>
             <a:r>
               <a:rPr lang="en-US" altLang="ko-KR" dirty="0"/>
-              <a:t>Estimate next month’s maximum daily outbound volume with using LP</a:t>
-            </a:r>
-          </a:p>
-          <a:p>
-            <a:pPr lvl="1"/>
+              <a:t>(year, month, day))</a:t>
+            </a:r>
+          </a:p>
+          <a:p>
+            <a:pPr marL="266700" lvl="1" indent="0">
+              <a:buNone/>
+            </a:pPr>
+            <a:r>
+              <a:rPr lang="en-US" altLang="ko-KR" dirty="0"/>
+              <a:t>Date</a:t>
+            </a:r>
+          </a:p>
+          <a:p>
+            <a:pPr marL="266700" lvl="1" indent="0">
+              <a:buNone/>
+            </a:pPr>
             <a:endParaRPr lang="en-US" altLang="ko-KR" dirty="0"/>
           </a:p>
           <a:p>
+            <a:pPr marL="228600" lvl="1" indent="-228600">
+              <a:spcBef>
+                <a:spcPts val="1000"/>
+              </a:spcBef>
+              <a:buFont typeface="Wingdings" panose="05000000000000000000" pitchFamily="2" charset="2"/>
+              <a:buChar char="§"/>
+            </a:pPr>
+            <a:r>
+              <a:rPr lang="en-US" altLang="ko-KR" sz="2800" dirty="0"/>
+              <a:t>Data variables for each fulfillment center</a:t>
+            </a:r>
+          </a:p>
+          <a:p>
+            <a:pPr marL="266700" lvl="1" indent="0">
+              <a:spcBef>
+                <a:spcPts val="1000"/>
+              </a:spcBef>
+              <a:buNone/>
+            </a:pPr>
             <a:r>
               <a:rPr lang="en-US" altLang="ko-KR" dirty="0"/>
-              <a:t>Expected result: </a:t>
-            </a:r>
-          </a:p>
-          <a:p>
-            <a:pPr lvl="1"/>
+              <a:t>FC1 &lt;- </a:t>
+            </a:r>
+            <a:r>
+              <a:rPr lang="en-US" altLang="ko-KR" dirty="0" err="1"/>
+              <a:t>data.frame</a:t>
+            </a:r>
             <a:r>
               <a:rPr lang="en-US" altLang="ko-KR" dirty="0"/>
-              <a:t>Extract Maximum daily volume within 30 day data</a:t>
-            </a:r>
-          </a:p>
-          <a:p>
-            <a:pPr lvl="1"/>
+              <a:t>(c(1:31),Date, rep("FC1", 31), </a:t>
+            </a:r>
+            <a:r>
+              <a:rPr lang="en-US" altLang="ko-KR" dirty="0" err="1"/>
+              <a:t>rnorm</a:t>
+            </a:r>
             <a:r>
               <a:rPr lang="en-US" altLang="ko-KR" dirty="0"/>
-              <a:t>Suggestion for daily outbound capacity</a:t>
+              <a:t>(31,0.01*30000,1000), </a:t>
+            </a:r>
+            <a:r>
+              <a:rPr lang="en-US" altLang="ko-KR" dirty="0" err="1"/>
+              <a:t>rnorm</a:t>
+            </a:r>
+            <a:r>
+              <a:rPr lang="en-US" altLang="ko-KR" dirty="0"/>
+              <a:t>(31,0.03*30000,1000),</a:t>
+            </a:r>
+            <a:r>
+              <a:rPr lang="en-US" altLang="ko-KR" dirty="0" err="1"/>
+              <a:t>rnorm</a:t>
+            </a:r>
+            <a:r>
+              <a:rPr lang="en-US" altLang="ko-KR" dirty="0"/>
+              <a:t>(31,0.01*30000),</a:t>
+            </a:r>
+            <a:r>
+              <a:rPr lang="en-US" altLang="ko-KR" dirty="0" err="1"/>
+              <a:t>rnorm</a:t>
+            </a:r>
+            <a:r>
+              <a:rPr lang="en-US" altLang="ko-KR" dirty="0"/>
+              <a:t>(31,0.05*30000),</a:t>
+            </a:r>
+            <a:r>
+              <a:rPr lang="en-US" altLang="ko-KR" dirty="0" err="1"/>
+              <a:t>rnorm</a:t>
+            </a:r>
+            <a:r>
+              <a:rPr lang="en-US" altLang="ko-KR" dirty="0"/>
+              <a:t>(31,0.04*30000),</a:t>
+            </a:r>
+            <a:r>
+              <a:rPr lang="en-US" altLang="ko-KR" dirty="0" err="1"/>
+              <a:t>rnorm</a:t>
+            </a:r>
+            <a:r>
+              <a:rPr lang="en-US" altLang="ko-KR" dirty="0"/>
+              <a:t>(31,0.05*30000),</a:t>
+            </a:r>
+            <a:r>
+              <a:rPr lang="en-US" altLang="ko-KR" dirty="0" err="1"/>
+              <a:t>rnorm</a:t>
+            </a:r>
+            <a:r>
+              <a:rPr lang="en-US" altLang="ko-KR" dirty="0"/>
+              <a:t>(31,0.04*30000),</a:t>
+            </a:r>
+            <a:r>
+              <a:rPr lang="en-US" altLang="ko-KR" dirty="0" err="1"/>
+              <a:t>rnorm</a:t>
+            </a:r>
+            <a:r>
+              <a:rPr lang="en-US" altLang="ko-KR" dirty="0"/>
+              <a:t>(31,0.05*30000),</a:t>
+            </a:r>
+            <a:r>
+              <a:rPr lang="en-US" altLang="ko-KR" dirty="0" err="1"/>
+              <a:t>rnorm</a:t>
+            </a:r>
+            <a:r>
+              <a:rPr lang="en-US" altLang="ko-KR" dirty="0"/>
+              <a:t>(31,0.05*30000),</a:t>
+            </a:r>
+            <a:r>
+              <a:rPr lang="en-US" altLang="ko-KR" dirty="0" err="1"/>
+              <a:t>rnorm</a:t>
+            </a:r>
+            <a:r>
+              <a:rPr lang="en-US" altLang="ko-KR" dirty="0"/>
+              <a:t>(31,0.05*30000),</a:t>
+            </a:r>
+            <a:r>
+              <a:rPr lang="en-US" altLang="ko-KR" dirty="0" err="1"/>
+              <a:t>rnorm</a:t>
+            </a:r>
+            <a:r>
+              <a:rPr lang="en-US" altLang="ko-KR" dirty="0"/>
+              <a:t>(31,0.05*30000),</a:t>
+            </a:r>
+            <a:r>
+              <a:rPr lang="en-US" altLang="ko-KR" dirty="0" err="1"/>
+              <a:t>rnorm</a:t>
+            </a:r>
+            <a:r>
+              <a:rPr lang="en-US" altLang="ko-KR" dirty="0"/>
+              <a:t>(31,0.05*30000),</a:t>
+            </a:r>
+            <a:r>
+              <a:rPr lang="en-US" altLang="ko-KR" dirty="0" err="1"/>
+              <a:t>rnorm</a:t>
+            </a:r>
+            <a:r>
+              <a:rPr lang="en-US" altLang="ko-KR" dirty="0"/>
+              <a:t>(31,0.05*30000),</a:t>
+            </a:r>
+            <a:r>
+              <a:rPr lang="en-US" altLang="ko-KR" dirty="0" err="1"/>
+              <a:t>rnorm</a:t>
+            </a:r>
+            <a:r>
+              <a:rPr lang="en-US" altLang="ko-KR" dirty="0"/>
+              <a:t>(31,0.06*30000),</a:t>
+            </a:r>
+            <a:r>
+              <a:rPr lang="en-US" altLang="ko-KR" dirty="0" err="1"/>
+              <a:t>rnorm</a:t>
+            </a:r>
+            <a:r>
+              <a:rPr lang="en-US" altLang="ko-KR" dirty="0"/>
+              <a:t>(31,0.08*30000),</a:t>
+            </a:r>
+            <a:r>
+              <a:rPr lang="en-US" altLang="ko-KR" dirty="0" err="1"/>
+              <a:t>rnorm</a:t>
+            </a:r>
+            <a:r>
+              <a:rPr lang="en-US" altLang="ko-KR" dirty="0"/>
+              <a:t>(31,0.07*30000),</a:t>
+            </a:r>
+            <a:r>
+              <a:rPr lang="en-US" altLang="ko-KR" dirty="0" err="1"/>
+              <a:t>rnorm</a:t>
+            </a:r>
+            <a:r>
+              <a:rPr lang="en-US" altLang="ko-KR" dirty="0"/>
+              <a:t>(31,0.07*30000),</a:t>
+            </a:r>
+            <a:r>
+              <a:rPr lang="en-US" altLang="ko-KR" dirty="0" err="1"/>
+              <a:t>rnorm</a:t>
+            </a:r>
+            <a:r>
+              <a:rPr lang="en-US" altLang="ko-KR" dirty="0"/>
+              <a:t>(31,0.07*30000),</a:t>
+            </a:r>
+            <a:r>
+              <a:rPr lang="en-US" altLang="ko-KR" dirty="0" err="1"/>
+              <a:t>rnorm</a:t>
+            </a:r>
+            <a:r>
+              <a:rPr lang="en-US" altLang="ko-KR" dirty="0"/>
+              <a:t>(31,0.05*30000),</a:t>
+            </a:r>
+            <a:r>
+              <a:rPr lang="en-US" altLang="ko-KR" dirty="0" err="1"/>
+              <a:t>rnorm</a:t>
+            </a:r>
+            <a:r>
+              <a:rPr lang="en-US" altLang="ko-KR" dirty="0"/>
+              <a:t>(31,0.02*30000),</a:t>
+            </a:r>
+            <a:r>
+              <a:rPr lang="en-US" altLang="ko-KR" dirty="0" err="1"/>
+              <a:t>rnorm</a:t>
+            </a:r>
+            <a:r>
+              <a:rPr lang="en-US" altLang="ko-KR" dirty="0"/>
+              <a:t>(31,0.01*30000),</a:t>
+            </a:r>
+            <a:r>
+              <a:rPr lang="en-US" altLang="ko-KR" dirty="0" err="1"/>
+              <a:t>rnorm</a:t>
+            </a:r>
+            <a:r>
+              <a:rPr lang="en-US" altLang="ko-KR" dirty="0"/>
+              <a:t>(31,0.01*30000,500),</a:t>
+            </a:r>
+            <a:r>
+              <a:rPr lang="en-US" altLang="ko-KR" dirty="0" err="1"/>
+              <a:t>rnorm</a:t>
+            </a:r>
+            <a:r>
+              <a:rPr lang="en-US" altLang="ko-KR" dirty="0"/>
+              <a:t>(31,0.01*30000,500),</a:t>
+            </a:r>
+            <a:r>
+              <a:rPr lang="en-US" altLang="ko-KR" dirty="0" err="1"/>
+              <a:t>rnorm</a:t>
+            </a:r>
+            <a:r>
+              <a:rPr lang="en-US" altLang="ko-KR" dirty="0"/>
+              <a:t>(31,0*30000,0) )</a:t>
+            </a:r>
+          </a:p>
+          <a:p>
+            <a:pPr marL="266700" lvl="1" indent="0">
+              <a:spcBef>
+                <a:spcPts val="1000"/>
+              </a:spcBef>
+              <a:buNone/>
+            </a:pPr>
+            <a:endParaRPr lang="en-US" altLang="ko-KR" dirty="0"/>
+          </a:p>
+          <a:p>
+            <a:pPr marL="266700" lvl="1" indent="0">
+              <a:spcBef>
+                <a:spcPts val="1000"/>
+              </a:spcBef>
+              <a:buNone/>
+            </a:pPr>
+            <a:r>
+              <a:rPr lang="en-US" altLang="ko-KR" dirty="0"/>
+              <a:t>names(FC1) &lt;- c("Seq", "Date","</a:t>
+            </a:r>
+            <a:r>
+              <a:rPr lang="en-US" altLang="ko-KR" dirty="0" err="1"/>
+              <a:t>FC_Name</a:t>
+            </a:r>
+            <a:r>
+              <a:rPr lang="en-US" altLang="ko-KR" dirty="0"/>
+              <a:t>", "06","07","08","09","10","11","12","13","14","15","16","17","18","19","20","21","22","23","24","01","02","03","04","05")</a:t>
+            </a:r>
+          </a:p>
+          <a:p>
+            <a:pPr marL="0" lvl="1" indent="0">
+              <a:spcBef>
+                <a:spcPts val="1000"/>
+              </a:spcBef>
+              <a:buNone/>
+            </a:pPr>
+            <a:endParaRPr lang="en-US" altLang="ko-KR" dirty="0"/>
+          </a:p>
+          <a:p>
+            <a:pPr marL="266700" lvl="1" indent="0">
+              <a:spcBef>
+                <a:spcPts val="1000"/>
+              </a:spcBef>
+              <a:buNone/>
+            </a:pPr>
+            <a:r>
+              <a:rPr lang="en-US" altLang="ko-KR" dirty="0">
+                <a:latin typeface="맑은 고딕" panose="020B0503020000020004" pitchFamily="50" charset="-127"/>
+                <a:ea typeface="맑은 고딕" panose="020B0503020000020004" pitchFamily="50" charset="-127"/>
+              </a:rPr>
+              <a:t>※ </a:t>
+            </a:r>
+            <a:r>
+              <a:rPr lang="en-US" altLang="ko-KR" dirty="0"/>
+              <a:t>Make data with the same query for FC2 and FC3</a:t>
             </a:r>
           </a:p>
         </p:txBody>
@@ -4116,6 +4498,1439 @@
 </file>
 
 <file path=ppt/slides/slide4.xml><?xml version="1.0" encoding="utf-8"?>
+<p:sld xmlns:a="http://schemas.openxmlformats.org/drawingml/2006/main" xmlns:r="http://schemas.openxmlformats.org/officeDocument/2006/relationships" xmlns:p="http://schemas.openxmlformats.org/presentationml/2006/main">
+  <p:cSld>
+    <p:spTree>
+      <p:nvGrpSpPr>
+        <p:cNvPr id="1" name=""/>
+        <p:cNvGrpSpPr/>
+        <p:nvPr/>
+      </p:nvGrpSpPr>
+      <p:grpSpPr>
+        <a:xfrm>
+          <a:off x="0" y="0"/>
+          <a:ext cx="0" cy="0"/>
+          <a:chOff x="0" y="0"/>
+          <a:chExt cx="0" cy="0"/>
+        </a:xfrm>
+      </p:grpSpPr>
+      <p:sp>
+        <p:nvSpPr>
+          <p:cNvPr id="2" name="Title 1">
+            <a:extLst>
+              <a:ext uri="{FF2B5EF4-FFF2-40B4-BE49-F238E27FC236}">
+                <a16:creationId xmlns:a16="http://schemas.microsoft.com/office/drawing/2014/main" id="{50309FE6-FFED-49BE-AF6D-DFCF03922D0D}"/>
+              </a:ext>
+            </a:extLst>
+          </p:cNvPr>
+          <p:cNvSpPr>
+            <a:spLocks noGrp="1"/>
+          </p:cNvSpPr>
+          <p:nvPr>
+            <p:ph type="title"/>
+          </p:nvPr>
+        </p:nvSpPr>
+        <p:spPr>
+          <a:xfrm>
+            <a:off x="407812" y="316027"/>
+            <a:ext cx="7886700" cy="609659"/>
+          </a:xfrm>
+        </p:spPr>
+        <p:txBody>
+          <a:bodyPr>
+            <a:normAutofit/>
+          </a:bodyPr>
+          <a:lstStyle/>
+          <a:p>
+            <a:r>
+              <a:rPr lang="en-US" altLang="ko-KR" dirty="0"/>
+              <a:t>Data description</a:t>
+            </a:r>
+          </a:p>
+        </p:txBody>
+      </p:sp>
+      <p:sp>
+        <p:nvSpPr>
+          <p:cNvPr id="3" name="Content Placeholder 2">
+            <a:extLst>
+              <a:ext uri="{FF2B5EF4-FFF2-40B4-BE49-F238E27FC236}">
+                <a16:creationId xmlns:a16="http://schemas.microsoft.com/office/drawing/2014/main" id="{569209E9-3F06-4F91-BA3B-F8CB4B39F30D}"/>
+              </a:ext>
+            </a:extLst>
+          </p:cNvPr>
+          <p:cNvSpPr>
+            <a:spLocks noGrp="1"/>
+          </p:cNvSpPr>
+          <p:nvPr>
+            <p:ph idx="1"/>
+          </p:nvPr>
+        </p:nvSpPr>
+        <p:spPr>
+          <a:xfrm>
+            <a:off x="407812" y="1112809"/>
+            <a:ext cx="8520054" cy="5605232"/>
+          </a:xfrm>
+        </p:spPr>
+        <p:txBody>
+          <a:bodyPr>
+            <a:normAutofit lnSpcReduction="10000"/>
+          </a:bodyPr>
+          <a:lstStyle/>
+          <a:p>
+            <a:r>
+              <a:rPr lang="en-US" altLang="ko-KR" sz="2000" dirty="0"/>
+              <a:t>Mean and Standard deviation by FC</a:t>
+            </a:r>
+          </a:p>
+          <a:p>
+            <a:pPr marL="266700" lvl="1" indent="0">
+              <a:buNone/>
+            </a:pPr>
+            <a:r>
+              <a:rPr lang="en-US" altLang="ko-KR" sz="1800" dirty="0" err="1"/>
+              <a:t>tapply</a:t>
+            </a:r>
+            <a:r>
+              <a:rPr lang="en-US" altLang="ko-KR" sz="1800" dirty="0"/>
+              <a:t>(</a:t>
+            </a:r>
+            <a:r>
+              <a:rPr lang="en-US" altLang="ko-KR" sz="1800" dirty="0" err="1"/>
+              <a:t>All_FC_Data$Daily_order</a:t>
+            </a:r>
+            <a:r>
+              <a:rPr lang="en-US" altLang="ko-KR" sz="1800" dirty="0"/>
+              <a:t>, </a:t>
+            </a:r>
+            <a:r>
+              <a:rPr lang="en-US" altLang="ko-KR" sz="1800" dirty="0" err="1"/>
+              <a:t>All_FC_Data$FC_Name</a:t>
+            </a:r>
+            <a:r>
+              <a:rPr lang="en-US" altLang="ko-KR" sz="1800" dirty="0"/>
+              <a:t>, mean)</a:t>
+            </a:r>
+          </a:p>
+          <a:p>
+            <a:pPr marL="266700" lvl="1" indent="0">
+              <a:buNone/>
+            </a:pPr>
+            <a:r>
+              <a:rPr lang="en-US" altLang="ko-KR" sz="1800" dirty="0" err="1"/>
+              <a:t>tapply</a:t>
+            </a:r>
+            <a:r>
+              <a:rPr lang="en-US" altLang="ko-KR" sz="1800" dirty="0"/>
+              <a:t>(</a:t>
+            </a:r>
+            <a:r>
+              <a:rPr lang="en-US" altLang="ko-KR" sz="1800" dirty="0" err="1"/>
+              <a:t>All_FC_Data$Daily_order</a:t>
+            </a:r>
+            <a:r>
+              <a:rPr lang="en-US" altLang="ko-KR" sz="1800" dirty="0"/>
+              <a:t>, </a:t>
+            </a:r>
+            <a:r>
+              <a:rPr lang="en-US" altLang="ko-KR" sz="1800" dirty="0" err="1"/>
+              <a:t>All_FC_Data$FC_Name</a:t>
+            </a:r>
+            <a:r>
+              <a:rPr lang="en-US" altLang="ko-KR" sz="1800" dirty="0"/>
+              <a:t>, </a:t>
+            </a:r>
+            <a:r>
+              <a:rPr lang="en-US" altLang="ko-KR" sz="1800" dirty="0" err="1"/>
+              <a:t>sd</a:t>
+            </a:r>
+            <a:r>
+              <a:rPr lang="en-US" altLang="ko-KR" sz="1800" dirty="0"/>
+              <a:t>)</a:t>
+            </a:r>
+          </a:p>
+          <a:p>
+            <a:pPr marL="266700" lvl="1" indent="0">
+              <a:buNone/>
+            </a:pPr>
+            <a:endParaRPr lang="en-US" altLang="ko-KR" sz="1800" dirty="0"/>
+          </a:p>
+          <a:p>
+            <a:pPr marL="266700" lvl="1" indent="0">
+              <a:buNone/>
+            </a:pPr>
+            <a:endParaRPr lang="en-US" altLang="ko-KR" sz="1800" dirty="0"/>
+          </a:p>
+          <a:p>
+            <a:pPr marL="266700" lvl="1" indent="0">
+              <a:buNone/>
+            </a:pPr>
+            <a:endParaRPr lang="en-US" altLang="ko-KR" sz="1800" dirty="0"/>
+          </a:p>
+          <a:p>
+            <a:pPr marL="266700" lvl="1" indent="0">
+              <a:buNone/>
+            </a:pPr>
+            <a:endParaRPr lang="en-US" altLang="ko-KR" sz="1800" dirty="0"/>
+          </a:p>
+          <a:p>
+            <a:pPr marL="266700" lvl="1" indent="0">
+              <a:buNone/>
+            </a:pPr>
+            <a:endParaRPr lang="en-US" altLang="ko-KR" sz="1800" dirty="0"/>
+          </a:p>
+          <a:p>
+            <a:r>
+              <a:rPr lang="en-US" altLang="ko-KR" sz="2000" dirty="0"/>
+              <a:t>Mark FC which order volume is more than capacity based on daily basis</a:t>
+            </a:r>
+          </a:p>
+          <a:p>
+            <a:pPr marL="266700" lvl="1" indent="0">
+              <a:buNone/>
+            </a:pPr>
+            <a:r>
+              <a:rPr lang="en-US" altLang="ko-KR" sz="1800" dirty="0" err="1"/>
+              <a:t>All_FC_Data$Diff_Capacity</a:t>
+            </a:r>
+            <a:r>
+              <a:rPr lang="en-US" altLang="ko-KR" sz="1800" dirty="0"/>
+              <a:t> &lt;- </a:t>
+            </a:r>
+            <a:r>
+              <a:rPr lang="en-US" altLang="ko-KR" sz="1800" dirty="0" err="1"/>
+              <a:t>All_FC_Data$Capacity</a:t>
+            </a:r>
+            <a:r>
+              <a:rPr lang="en-US" altLang="ko-KR" sz="1800" dirty="0"/>
+              <a:t> - </a:t>
+            </a:r>
+            <a:r>
+              <a:rPr lang="en-US" altLang="ko-KR" sz="1800" dirty="0" err="1"/>
+              <a:t>All_FC_Data$Daily_order</a:t>
+            </a:r>
+            <a:endParaRPr lang="en-US" altLang="ko-KR" sz="1800" dirty="0"/>
+          </a:p>
+          <a:p>
+            <a:pPr marL="266700" lvl="1" indent="0">
+              <a:buNone/>
+            </a:pPr>
+            <a:r>
+              <a:rPr lang="en-US" altLang="ko-KR" sz="1800" dirty="0" err="1"/>
+              <a:t>All_FC_Data$Beyond_Capacity</a:t>
+            </a:r>
+            <a:r>
+              <a:rPr lang="en-US" altLang="ko-KR" sz="1800" dirty="0"/>
+              <a:t> &lt;- </a:t>
+            </a:r>
+            <a:r>
+              <a:rPr lang="en-US" altLang="ko-KR" sz="1800" dirty="0" err="1"/>
+              <a:t>ifelse</a:t>
+            </a:r>
+            <a:r>
+              <a:rPr lang="en-US" altLang="ko-KR" sz="1800" dirty="0"/>
+              <a:t>(</a:t>
+            </a:r>
+            <a:r>
+              <a:rPr lang="en-US" altLang="ko-KR" sz="1800" dirty="0" err="1"/>
+              <a:t>All_FC_Data$Diff_Capacity</a:t>
+            </a:r>
+            <a:r>
+              <a:rPr lang="en-US" altLang="ko-KR" sz="1800" dirty="0"/>
+              <a:t> &gt; 0, 0, 1)</a:t>
+            </a:r>
+          </a:p>
+          <a:p>
+            <a:pPr marL="266700" lvl="1" indent="0">
+              <a:buNone/>
+            </a:pPr>
+            <a:r>
+              <a:rPr lang="en-US" altLang="ko-KR" sz="1800" dirty="0" err="1"/>
+              <a:t>tapply</a:t>
+            </a:r>
+            <a:r>
+              <a:rPr lang="en-US" altLang="ko-KR" sz="1800" dirty="0"/>
+              <a:t>(</a:t>
+            </a:r>
+            <a:r>
+              <a:rPr lang="en-US" altLang="ko-KR" sz="1800" dirty="0" err="1"/>
+              <a:t>All_FC_Data$Beyond_Capacity</a:t>
+            </a:r>
+            <a:r>
+              <a:rPr lang="en-US" altLang="ko-KR" sz="1800" dirty="0"/>
+              <a:t>, </a:t>
+            </a:r>
+            <a:r>
+              <a:rPr lang="en-US" altLang="ko-KR" sz="1800" dirty="0" err="1"/>
+              <a:t>All_FC_Data$FC_Name</a:t>
+            </a:r>
+            <a:r>
+              <a:rPr lang="en-US" altLang="ko-KR" sz="1800" dirty="0"/>
+              <a:t>, sum)</a:t>
+            </a:r>
+          </a:p>
+          <a:p>
+            <a:pPr marL="266700" lvl="1" indent="0">
+              <a:buNone/>
+            </a:pPr>
+            <a:endParaRPr lang="en-US" altLang="ko-KR" sz="1800" dirty="0"/>
+          </a:p>
+          <a:p>
+            <a:pPr marL="266700" lvl="1" indent="0">
+              <a:buNone/>
+            </a:pPr>
+            <a:endParaRPr lang="en-US" altLang="ko-KR" sz="1800" dirty="0"/>
+          </a:p>
+          <a:p>
+            <a:pPr marL="266700" lvl="1" indent="0">
+              <a:buNone/>
+            </a:pPr>
+            <a:endParaRPr lang="en-US" altLang="ko-KR" sz="1800" dirty="0"/>
+          </a:p>
+          <a:p>
+            <a:pPr marL="266700" lvl="1" indent="0">
+              <a:buNone/>
+            </a:pPr>
+            <a:endParaRPr lang="en-US" altLang="ko-KR" sz="1800" dirty="0"/>
+          </a:p>
+          <a:p>
+            <a:pPr marL="266700" lvl="1" indent="0">
+              <a:buNone/>
+            </a:pPr>
+            <a:r>
+              <a:rPr lang="en-US" altLang="ko-KR" sz="1800" dirty="0"/>
+              <a:t>FC1, FC2 and FC3 has 11, 11, 14 times respectively when they have more orders than their capacities.</a:t>
+            </a:r>
+            <a:endParaRPr lang="en-US" altLang="ko-KR" dirty="0"/>
+          </a:p>
+        </p:txBody>
+      </p:sp>
+      <p:pic>
+        <p:nvPicPr>
+          <p:cNvPr id="5" name="그림 4">
+            <a:extLst>
+              <a:ext uri="{FF2B5EF4-FFF2-40B4-BE49-F238E27FC236}">
+                <a16:creationId xmlns:a16="http://schemas.microsoft.com/office/drawing/2014/main" id="{413C6AD6-F287-4816-940C-13C33E44C0A0}"/>
+              </a:ext>
+            </a:extLst>
+          </p:cNvPr>
+          <p:cNvPicPr>
+            <a:picLocks noChangeAspect="1"/>
+          </p:cNvPicPr>
+          <p:nvPr/>
+        </p:nvPicPr>
+        <p:blipFill>
+          <a:blip r:embed="rId2"/>
+          <a:stretch>
+            <a:fillRect/>
+          </a:stretch>
+        </p:blipFill>
+        <p:spPr>
+          <a:xfrm>
+            <a:off x="745952" y="2543051"/>
+            <a:ext cx="4686954" cy="885949"/>
+          </a:xfrm>
+          <a:prstGeom prst="rect">
+            <a:avLst/>
+          </a:prstGeom>
+          <a:ln>
+            <a:solidFill>
+              <a:srgbClr val="0070C0"/>
+            </a:solidFill>
+          </a:ln>
+        </p:spPr>
+      </p:pic>
+      <p:pic>
+        <p:nvPicPr>
+          <p:cNvPr id="7" name="그림 6">
+            <a:extLst>
+              <a:ext uri="{FF2B5EF4-FFF2-40B4-BE49-F238E27FC236}">
+                <a16:creationId xmlns:a16="http://schemas.microsoft.com/office/drawing/2014/main" id="{0A608EF0-A4AB-43B2-83CC-B2FE0B84285D}"/>
+              </a:ext>
+            </a:extLst>
+          </p:cNvPr>
+          <p:cNvPicPr>
+            <a:picLocks noChangeAspect="1"/>
+          </p:cNvPicPr>
+          <p:nvPr/>
+        </p:nvPicPr>
+        <p:blipFill rotWithShape="1">
+          <a:blip r:embed="rId3"/>
+          <a:srcRect t="8530"/>
+          <a:stretch/>
+        </p:blipFill>
+        <p:spPr>
+          <a:xfrm>
+            <a:off x="745952" y="5158590"/>
+            <a:ext cx="4877481" cy="435686"/>
+          </a:xfrm>
+          <a:prstGeom prst="rect">
+            <a:avLst/>
+          </a:prstGeom>
+          <a:ln>
+            <a:solidFill>
+              <a:srgbClr val="0070C0"/>
+            </a:solidFill>
+          </a:ln>
+        </p:spPr>
+      </p:pic>
+      <p:sp>
+        <p:nvSpPr>
+          <p:cNvPr id="8" name="화살표: 아래쪽 7">
+            <a:extLst>
+              <a:ext uri="{FF2B5EF4-FFF2-40B4-BE49-F238E27FC236}">
+                <a16:creationId xmlns:a16="http://schemas.microsoft.com/office/drawing/2014/main" id="{A1E5E879-4A86-423B-8907-9063A803BAD7}"/>
+              </a:ext>
+            </a:extLst>
+          </p:cNvPr>
+          <p:cNvSpPr/>
+          <p:nvPr/>
+        </p:nvSpPr>
+        <p:spPr>
+          <a:xfrm>
+            <a:off x="1473694" y="2094446"/>
+            <a:ext cx="2947386" cy="355044"/>
+          </a:xfrm>
+          <a:prstGeom prst="downArrow">
+            <a:avLst>
+              <a:gd name="adj1" fmla="val 48795"/>
+              <a:gd name="adj2" fmla="val 57501"/>
+            </a:avLst>
+          </a:prstGeom>
+        </p:spPr>
+        <p:style>
+          <a:lnRef idx="2">
+            <a:schemeClr val="accent1">
+              <a:shade val="50000"/>
+            </a:schemeClr>
+          </a:lnRef>
+          <a:fillRef idx="1">
+            <a:schemeClr val="accent1"/>
+          </a:fillRef>
+          <a:effectRef idx="0">
+            <a:schemeClr val="accent1"/>
+          </a:effectRef>
+          <a:fontRef idx="minor">
+            <a:schemeClr val="lt1"/>
+          </a:fontRef>
+        </p:style>
+        <p:txBody>
+          <a:bodyPr lIns="0" tIns="0" rIns="0" bIns="0" rtlCol="0" anchor="ctr">
+            <a:spAutoFit/>
+          </a:bodyPr>
+          <a:lstStyle/>
+          <a:p>
+            <a:pPr algn="ctr"/>
+            <a:r>
+              <a:rPr lang="en-US" altLang="ko-KR" sz="1400" dirty="0"/>
+              <a:t>Result</a:t>
+            </a:r>
+            <a:endParaRPr lang="ko-KR" altLang="en-US" sz="1400" dirty="0"/>
+          </a:p>
+        </p:txBody>
+      </p:sp>
+      <p:sp>
+        <p:nvSpPr>
+          <p:cNvPr id="9" name="화살표: 아래쪽 8">
+            <a:extLst>
+              <a:ext uri="{FF2B5EF4-FFF2-40B4-BE49-F238E27FC236}">
+                <a16:creationId xmlns:a16="http://schemas.microsoft.com/office/drawing/2014/main" id="{17E4265D-F633-4B9B-B84E-24F1334B63C3}"/>
+              </a:ext>
+            </a:extLst>
+          </p:cNvPr>
+          <p:cNvSpPr/>
+          <p:nvPr/>
+        </p:nvSpPr>
+        <p:spPr>
+          <a:xfrm>
+            <a:off x="1473694" y="4681720"/>
+            <a:ext cx="2947386" cy="355044"/>
+          </a:xfrm>
+          <a:prstGeom prst="downArrow">
+            <a:avLst>
+              <a:gd name="adj1" fmla="val 48795"/>
+              <a:gd name="adj2" fmla="val 57501"/>
+            </a:avLst>
+          </a:prstGeom>
+        </p:spPr>
+        <p:style>
+          <a:lnRef idx="2">
+            <a:schemeClr val="accent1">
+              <a:shade val="50000"/>
+            </a:schemeClr>
+          </a:lnRef>
+          <a:fillRef idx="1">
+            <a:schemeClr val="accent1"/>
+          </a:fillRef>
+          <a:effectRef idx="0">
+            <a:schemeClr val="accent1"/>
+          </a:effectRef>
+          <a:fontRef idx="minor">
+            <a:schemeClr val="lt1"/>
+          </a:fontRef>
+        </p:style>
+        <p:txBody>
+          <a:bodyPr lIns="0" tIns="0" rIns="0" bIns="0" rtlCol="0" anchor="ctr">
+            <a:spAutoFit/>
+          </a:bodyPr>
+          <a:lstStyle/>
+          <a:p>
+            <a:pPr algn="ctr"/>
+            <a:r>
+              <a:rPr lang="en-US" altLang="ko-KR" sz="1400" dirty="0"/>
+              <a:t>Result</a:t>
+            </a:r>
+            <a:endParaRPr lang="ko-KR" altLang="en-US" sz="1400" dirty="0"/>
+          </a:p>
+        </p:txBody>
+      </p:sp>
+    </p:spTree>
+    <p:extLst>
+      <p:ext uri="{BB962C8B-B14F-4D97-AF65-F5344CB8AC3E}">
+        <p14:creationId xmlns:p14="http://schemas.microsoft.com/office/powerpoint/2010/main" val="1983865495"/>
+      </p:ext>
+    </p:extLst>
+  </p:cSld>
+  <p:clrMapOvr>
+    <a:masterClrMapping/>
+  </p:clrMapOvr>
+</p:sld>
+</file>
+
+<file path=ppt/slides/slide5.xml><?xml version="1.0" encoding="utf-8"?>
+<p:sld xmlns:a="http://schemas.openxmlformats.org/drawingml/2006/main" xmlns:r="http://schemas.openxmlformats.org/officeDocument/2006/relationships" xmlns:p="http://schemas.openxmlformats.org/presentationml/2006/main">
+  <p:cSld>
+    <p:spTree>
+      <p:nvGrpSpPr>
+        <p:cNvPr id="1" name=""/>
+        <p:cNvGrpSpPr/>
+        <p:nvPr/>
+      </p:nvGrpSpPr>
+      <p:grpSpPr>
+        <a:xfrm>
+          <a:off x="0" y="0"/>
+          <a:ext cx="0" cy="0"/>
+          <a:chOff x="0" y="0"/>
+          <a:chExt cx="0" cy="0"/>
+        </a:xfrm>
+      </p:grpSpPr>
+      <p:sp>
+        <p:nvSpPr>
+          <p:cNvPr id="2" name="Title 1">
+            <a:extLst>
+              <a:ext uri="{FF2B5EF4-FFF2-40B4-BE49-F238E27FC236}">
+                <a16:creationId xmlns:a16="http://schemas.microsoft.com/office/drawing/2014/main" id="{50309FE6-FFED-49BE-AF6D-DFCF03922D0D}"/>
+              </a:ext>
+            </a:extLst>
+          </p:cNvPr>
+          <p:cNvSpPr>
+            <a:spLocks noGrp="1"/>
+          </p:cNvSpPr>
+          <p:nvPr>
+            <p:ph type="title"/>
+          </p:nvPr>
+        </p:nvSpPr>
+        <p:spPr>
+          <a:xfrm>
+            <a:off x="407812" y="316027"/>
+            <a:ext cx="7886700" cy="609659"/>
+          </a:xfrm>
+        </p:spPr>
+        <p:txBody>
+          <a:bodyPr>
+            <a:normAutofit/>
+          </a:bodyPr>
+          <a:lstStyle/>
+          <a:p>
+            <a:r>
+              <a:rPr lang="en-US" altLang="ko-KR" dirty="0"/>
+              <a:t>Order forecast I</a:t>
+            </a:r>
+          </a:p>
+        </p:txBody>
+      </p:sp>
+      <p:sp>
+        <p:nvSpPr>
+          <p:cNvPr id="3" name="Content Placeholder 2">
+            <a:extLst>
+              <a:ext uri="{FF2B5EF4-FFF2-40B4-BE49-F238E27FC236}">
+                <a16:creationId xmlns:a16="http://schemas.microsoft.com/office/drawing/2014/main" id="{569209E9-3F06-4F91-BA3B-F8CB4B39F30D}"/>
+              </a:ext>
+            </a:extLst>
+          </p:cNvPr>
+          <p:cNvSpPr>
+            <a:spLocks noGrp="1"/>
+          </p:cNvSpPr>
+          <p:nvPr>
+            <p:ph idx="1"/>
+          </p:nvPr>
+        </p:nvSpPr>
+        <p:spPr>
+          <a:xfrm>
+            <a:off x="407812" y="1112809"/>
+            <a:ext cx="8520054" cy="5605232"/>
+          </a:xfrm>
+        </p:spPr>
+        <p:txBody>
+          <a:bodyPr>
+            <a:normAutofit/>
+          </a:bodyPr>
+          <a:lstStyle/>
+          <a:p>
+            <a:r>
+              <a:rPr lang="en-US" altLang="ko-KR" sz="2000" dirty="0"/>
+              <a:t>By using “forecast()”: using average </a:t>
+            </a:r>
+          </a:p>
+          <a:p>
+            <a:pPr marL="266700" lvl="1" indent="0">
+              <a:buNone/>
+            </a:pPr>
+            <a:r>
+              <a:rPr lang="en-US" altLang="ko-KR" sz="1800" dirty="0"/>
+              <a:t>library(forecast)</a:t>
+            </a:r>
+          </a:p>
+          <a:p>
+            <a:pPr marL="266700" lvl="1" indent="0">
+              <a:buNone/>
+            </a:pPr>
+            <a:r>
+              <a:rPr lang="en-US" altLang="ko-KR" sz="1800" dirty="0"/>
+              <a:t>FC1$Daily_Order &lt;- </a:t>
+            </a:r>
+            <a:r>
+              <a:rPr lang="en-US" altLang="ko-KR" sz="1800" dirty="0" err="1"/>
+              <a:t>rowSums</a:t>
+            </a:r>
+            <a:r>
+              <a:rPr lang="en-US" altLang="ko-KR" sz="1800" dirty="0"/>
+              <a:t>(FC1[,c(4:27)],na.rm=TRUE)</a:t>
+            </a:r>
+          </a:p>
+          <a:p>
+            <a:pPr marL="266700" lvl="1" indent="0">
+              <a:buNone/>
+            </a:pPr>
+            <a:r>
+              <a:rPr lang="en-US" altLang="ko-KR" sz="1800" dirty="0"/>
+              <a:t>Forecast_Nov_FC1 &lt;- forecast(FC1$Daily_Order, h=30)</a:t>
+            </a:r>
+          </a:p>
+          <a:p>
+            <a:pPr marL="266700" lvl="1" indent="0">
+              <a:buNone/>
+            </a:pPr>
+            <a:endParaRPr lang="en-US" altLang="ko-KR" sz="1800" dirty="0"/>
+          </a:p>
+          <a:p>
+            <a:pPr marL="266700" lvl="1" indent="0">
+              <a:buNone/>
+            </a:pPr>
+            <a:r>
+              <a:rPr lang="en-US" altLang="ko-KR" sz="1800" dirty="0"/>
+              <a:t>FC2$Daily_Order &lt;- </a:t>
+            </a:r>
+            <a:r>
+              <a:rPr lang="en-US" altLang="ko-KR" sz="1800" dirty="0" err="1"/>
+              <a:t>rowSums</a:t>
+            </a:r>
+            <a:r>
+              <a:rPr lang="en-US" altLang="ko-KR" sz="1800" dirty="0"/>
+              <a:t>(FC2[,c(4:27)],na.rm=TRUE)</a:t>
+            </a:r>
+          </a:p>
+          <a:p>
+            <a:pPr marL="266700" lvl="1" indent="0">
+              <a:buNone/>
+            </a:pPr>
+            <a:r>
+              <a:rPr lang="en-US" altLang="ko-KR" sz="1800" dirty="0"/>
+              <a:t>Forecast_Nov_FC2 &lt;- forecast(FC2$Daily_Order, h=30)</a:t>
+            </a:r>
+          </a:p>
+          <a:p>
+            <a:pPr marL="266700" lvl="1" indent="0">
+              <a:buNone/>
+            </a:pPr>
+            <a:endParaRPr lang="en-US" altLang="ko-KR" sz="1800" dirty="0"/>
+          </a:p>
+          <a:p>
+            <a:pPr marL="266700" lvl="1" indent="0">
+              <a:buNone/>
+            </a:pPr>
+            <a:r>
+              <a:rPr lang="en-US" altLang="ko-KR" sz="1800" dirty="0"/>
+              <a:t>FC3$Daily_Order &lt;- </a:t>
+            </a:r>
+            <a:r>
+              <a:rPr lang="en-US" altLang="ko-KR" sz="1800" dirty="0" err="1"/>
+              <a:t>rowSums</a:t>
+            </a:r>
+            <a:r>
+              <a:rPr lang="en-US" altLang="ko-KR" sz="1800" dirty="0"/>
+              <a:t>(FC3[,c(4:27)],na.rm=TRUE)</a:t>
+            </a:r>
+          </a:p>
+          <a:p>
+            <a:pPr marL="266700" lvl="1" indent="0">
+              <a:buNone/>
+            </a:pPr>
+            <a:r>
+              <a:rPr lang="en-US" altLang="ko-KR" sz="1800" dirty="0"/>
+              <a:t>Forecast_Nov_FC3 &lt;- forecast(FC3$Daily_Order, h=30)</a:t>
+            </a:r>
+          </a:p>
+          <a:p>
+            <a:pPr marL="266700" lvl="1" indent="0">
+              <a:buNone/>
+            </a:pPr>
+            <a:endParaRPr lang="en-US" altLang="ko-KR" sz="1800" dirty="0"/>
+          </a:p>
+          <a:p>
+            <a:pPr marL="266700" lvl="1" indent="0">
+              <a:buNone/>
+            </a:pPr>
+            <a:endParaRPr lang="en-US" altLang="ko-KR" sz="1800" dirty="0"/>
+          </a:p>
+          <a:p>
+            <a:pPr marL="266700" lvl="1" indent="0">
+              <a:buNone/>
+            </a:pPr>
+            <a:endParaRPr lang="en-US" altLang="ko-KR" sz="1800" dirty="0"/>
+          </a:p>
+          <a:p>
+            <a:pPr marL="266700" lvl="1" indent="0">
+              <a:buNone/>
+            </a:pPr>
+            <a:endParaRPr lang="en-US" altLang="ko-KR" sz="1800" dirty="0"/>
+          </a:p>
+          <a:p>
+            <a:pPr marL="266700" lvl="1" indent="0">
+              <a:buNone/>
+            </a:pPr>
+            <a:endParaRPr lang="en-US" altLang="ko-KR" sz="1800" dirty="0"/>
+          </a:p>
+          <a:p>
+            <a:pPr marL="266700" lvl="1" indent="0">
+              <a:buNone/>
+            </a:pPr>
+            <a:endParaRPr lang="en-US" altLang="ko-KR" sz="1800" dirty="0"/>
+          </a:p>
+          <a:p>
+            <a:pPr marL="266700" lvl="1" indent="0">
+              <a:buNone/>
+            </a:pPr>
+            <a:r>
+              <a:rPr lang="en-US" altLang="ko-KR" sz="1800" dirty="0"/>
+              <a:t>The same forecast Qty. has been applied for the whole month</a:t>
+            </a:r>
+            <a:endParaRPr lang="en-US" altLang="ko-KR" dirty="0"/>
+          </a:p>
+        </p:txBody>
+      </p:sp>
+      <p:sp>
+        <p:nvSpPr>
+          <p:cNvPr id="8" name="화살표: 아래쪽 7">
+            <a:extLst>
+              <a:ext uri="{FF2B5EF4-FFF2-40B4-BE49-F238E27FC236}">
+                <a16:creationId xmlns:a16="http://schemas.microsoft.com/office/drawing/2014/main" id="{A1E5E879-4A86-423B-8907-9063A803BAD7}"/>
+              </a:ext>
+            </a:extLst>
+          </p:cNvPr>
+          <p:cNvSpPr/>
+          <p:nvPr/>
+        </p:nvSpPr>
+        <p:spPr>
+          <a:xfrm>
+            <a:off x="1180731" y="4357031"/>
+            <a:ext cx="2947386" cy="355044"/>
+          </a:xfrm>
+          <a:prstGeom prst="downArrow">
+            <a:avLst>
+              <a:gd name="adj1" fmla="val 48795"/>
+              <a:gd name="adj2" fmla="val 57501"/>
+            </a:avLst>
+          </a:prstGeom>
+        </p:spPr>
+        <p:style>
+          <a:lnRef idx="2">
+            <a:schemeClr val="accent1">
+              <a:shade val="50000"/>
+            </a:schemeClr>
+          </a:lnRef>
+          <a:fillRef idx="1">
+            <a:schemeClr val="accent1"/>
+          </a:fillRef>
+          <a:effectRef idx="0">
+            <a:schemeClr val="accent1"/>
+          </a:effectRef>
+          <a:fontRef idx="minor">
+            <a:schemeClr val="lt1"/>
+          </a:fontRef>
+        </p:style>
+        <p:txBody>
+          <a:bodyPr lIns="0" tIns="0" rIns="0" bIns="0" rtlCol="0" anchor="ctr">
+            <a:spAutoFit/>
+          </a:bodyPr>
+          <a:lstStyle/>
+          <a:p>
+            <a:pPr algn="ctr"/>
+            <a:r>
+              <a:rPr lang="en-US" altLang="ko-KR" sz="1400" dirty="0"/>
+              <a:t>Result</a:t>
+            </a:r>
+            <a:endParaRPr lang="ko-KR" altLang="en-US" sz="1400" dirty="0"/>
+          </a:p>
+        </p:txBody>
+      </p:sp>
+      <p:pic>
+        <p:nvPicPr>
+          <p:cNvPr id="6" name="그림 5">
+            <a:extLst>
+              <a:ext uri="{FF2B5EF4-FFF2-40B4-BE49-F238E27FC236}">
+                <a16:creationId xmlns:a16="http://schemas.microsoft.com/office/drawing/2014/main" id="{FEB03992-8C14-49FC-88D6-9396890F092C}"/>
+              </a:ext>
+            </a:extLst>
+          </p:cNvPr>
+          <p:cNvPicPr>
+            <a:picLocks noChangeAspect="1"/>
+          </p:cNvPicPr>
+          <p:nvPr/>
+        </p:nvPicPr>
+        <p:blipFill rotWithShape="1">
+          <a:blip r:embed="rId2"/>
+          <a:srcRect l="1215" t="2344"/>
+          <a:stretch/>
+        </p:blipFill>
+        <p:spPr>
+          <a:xfrm>
+            <a:off x="657700" y="4856083"/>
+            <a:ext cx="4206508" cy="1162882"/>
+          </a:xfrm>
+          <a:prstGeom prst="rect">
+            <a:avLst/>
+          </a:prstGeom>
+          <a:ln>
+            <a:solidFill>
+              <a:srgbClr val="0070C0"/>
+            </a:solidFill>
+          </a:ln>
+        </p:spPr>
+      </p:pic>
+    </p:spTree>
+    <p:extLst>
+      <p:ext uri="{BB962C8B-B14F-4D97-AF65-F5344CB8AC3E}">
+        <p14:creationId xmlns:p14="http://schemas.microsoft.com/office/powerpoint/2010/main" val="53306984"/>
+      </p:ext>
+    </p:extLst>
+  </p:cSld>
+  <p:clrMapOvr>
+    <a:masterClrMapping/>
+  </p:clrMapOvr>
+</p:sld>
+</file>
+
+<file path=ppt/slides/slide6.xml><?xml version="1.0" encoding="utf-8"?>
+<p:sld xmlns:a="http://schemas.openxmlformats.org/drawingml/2006/main" xmlns:r="http://schemas.openxmlformats.org/officeDocument/2006/relationships" xmlns:p="http://schemas.openxmlformats.org/presentationml/2006/main">
+  <p:cSld>
+    <p:spTree>
+      <p:nvGrpSpPr>
+        <p:cNvPr id="1" name=""/>
+        <p:cNvGrpSpPr/>
+        <p:nvPr/>
+      </p:nvGrpSpPr>
+      <p:grpSpPr>
+        <a:xfrm>
+          <a:off x="0" y="0"/>
+          <a:ext cx="0" cy="0"/>
+          <a:chOff x="0" y="0"/>
+          <a:chExt cx="0" cy="0"/>
+        </a:xfrm>
+      </p:grpSpPr>
+      <p:sp>
+        <p:nvSpPr>
+          <p:cNvPr id="2" name="Title 1">
+            <a:extLst>
+              <a:ext uri="{FF2B5EF4-FFF2-40B4-BE49-F238E27FC236}">
+                <a16:creationId xmlns:a16="http://schemas.microsoft.com/office/drawing/2014/main" id="{50309FE6-FFED-49BE-AF6D-DFCF03922D0D}"/>
+              </a:ext>
+            </a:extLst>
+          </p:cNvPr>
+          <p:cNvSpPr>
+            <a:spLocks noGrp="1"/>
+          </p:cNvSpPr>
+          <p:nvPr>
+            <p:ph type="title"/>
+          </p:nvPr>
+        </p:nvSpPr>
+        <p:spPr>
+          <a:xfrm>
+            <a:off x="407812" y="316027"/>
+            <a:ext cx="7886700" cy="609659"/>
+          </a:xfrm>
+        </p:spPr>
+        <p:txBody>
+          <a:bodyPr>
+            <a:normAutofit/>
+          </a:bodyPr>
+          <a:lstStyle/>
+          <a:p>
+            <a:r>
+              <a:rPr lang="en-US" altLang="ko-KR" dirty="0"/>
+              <a:t>Order forecast II</a:t>
+            </a:r>
+          </a:p>
+        </p:txBody>
+      </p:sp>
+      <p:sp>
+        <p:nvSpPr>
+          <p:cNvPr id="3" name="Content Placeholder 2">
+            <a:extLst>
+              <a:ext uri="{FF2B5EF4-FFF2-40B4-BE49-F238E27FC236}">
+                <a16:creationId xmlns:a16="http://schemas.microsoft.com/office/drawing/2014/main" id="{569209E9-3F06-4F91-BA3B-F8CB4B39F30D}"/>
+              </a:ext>
+            </a:extLst>
+          </p:cNvPr>
+          <p:cNvSpPr>
+            <a:spLocks noGrp="1"/>
+          </p:cNvSpPr>
+          <p:nvPr>
+            <p:ph idx="1"/>
+          </p:nvPr>
+        </p:nvSpPr>
+        <p:spPr>
+          <a:xfrm>
+            <a:off x="407812" y="1112809"/>
+            <a:ext cx="8520054" cy="5605232"/>
+          </a:xfrm>
+        </p:spPr>
+        <p:txBody>
+          <a:bodyPr>
+            <a:normAutofit/>
+          </a:bodyPr>
+          <a:lstStyle/>
+          <a:p>
+            <a:r>
+              <a:rPr lang="en-US" altLang="ko-KR" sz="1400" dirty="0"/>
+              <a:t>By using “</a:t>
+            </a:r>
+            <a:r>
+              <a:rPr lang="en-US" altLang="ko-KR" sz="1400" dirty="0" err="1"/>
+              <a:t>lm</a:t>
+            </a:r>
+            <a:r>
+              <a:rPr lang="en-US" altLang="ko-KR" sz="1400" dirty="0"/>
+              <a:t>()”: using regression </a:t>
+            </a:r>
+          </a:p>
+          <a:p>
+            <a:pPr marL="266700" lvl="1" indent="0">
+              <a:buNone/>
+            </a:pPr>
+            <a:r>
+              <a:rPr lang="en-US" altLang="ko-KR" sz="1100" dirty="0"/>
+              <a:t>relation_FC1 &lt;- </a:t>
+            </a:r>
+            <a:r>
+              <a:rPr lang="en-US" altLang="ko-KR" sz="1100" dirty="0" err="1"/>
+              <a:t>lm</a:t>
+            </a:r>
+            <a:r>
+              <a:rPr lang="en-US" altLang="ko-KR" sz="1100" dirty="0"/>
+              <a:t>(FC1$Daily_order ~ FC1$Seq)</a:t>
+            </a:r>
+          </a:p>
+          <a:p>
+            <a:pPr marL="266700" lvl="1" indent="0">
+              <a:buNone/>
+            </a:pPr>
+            <a:r>
+              <a:rPr lang="en-US" altLang="ko-KR" sz="1100" dirty="0"/>
+              <a:t>print(relation_FC1)</a:t>
+            </a:r>
+          </a:p>
+          <a:p>
+            <a:pPr marL="266700" lvl="1" indent="0">
+              <a:buNone/>
+            </a:pPr>
+            <a:r>
+              <a:rPr lang="en-US" altLang="ko-KR" sz="1100" dirty="0"/>
+              <a:t>summary(relation_FC1)</a:t>
+            </a:r>
+          </a:p>
+          <a:p>
+            <a:pPr marL="266700" lvl="1" indent="0">
+              <a:buNone/>
+            </a:pPr>
+            <a:r>
+              <a:rPr lang="en-US" altLang="ko-KR" sz="1100" dirty="0"/>
+              <a:t>plot(FC1$Seq,FC1$Daily_order, col = "blue", main = "Timeseries regression",</a:t>
+            </a:r>
+          </a:p>
+          <a:p>
+            <a:pPr marL="266700" lvl="1" indent="0">
+              <a:buNone/>
+            </a:pPr>
+            <a:r>
+              <a:rPr lang="en-US" altLang="ko-KR" sz="1100" dirty="0" err="1"/>
+              <a:t>abline</a:t>
+            </a:r>
+            <a:r>
+              <a:rPr lang="en-US" altLang="ko-KR" sz="1100" dirty="0"/>
+              <a:t>(</a:t>
+            </a:r>
+            <a:r>
+              <a:rPr lang="en-US" altLang="ko-KR" sz="1100" dirty="0" err="1"/>
+              <a:t>lm</a:t>
+            </a:r>
+            <a:r>
+              <a:rPr lang="en-US" altLang="ko-KR" sz="1100" dirty="0"/>
+              <a:t>(FC1$Daily_order ~ FC1$Seq)), </a:t>
+            </a:r>
+            <a:r>
+              <a:rPr lang="en-US" altLang="ko-KR" sz="1100" dirty="0" err="1"/>
+              <a:t>cex</a:t>
+            </a:r>
+            <a:r>
+              <a:rPr lang="en-US" altLang="ko-KR" sz="1100" dirty="0"/>
+              <a:t> =1.3, </a:t>
+            </a:r>
+            <a:r>
+              <a:rPr lang="en-US" altLang="ko-KR" sz="1100" dirty="0" err="1"/>
+              <a:t>pch</a:t>
+            </a:r>
+            <a:r>
+              <a:rPr lang="en-US" altLang="ko-KR" sz="1100" dirty="0"/>
+              <a:t> =16, </a:t>
+            </a:r>
+            <a:r>
+              <a:rPr lang="en-US" altLang="ko-KR" sz="1100" dirty="0" err="1"/>
+              <a:t>xlab</a:t>
+            </a:r>
+            <a:r>
+              <a:rPr lang="en-US" altLang="ko-KR" sz="1100" dirty="0"/>
+              <a:t>="Day", </a:t>
+            </a:r>
+            <a:r>
+              <a:rPr lang="en-US" altLang="ko-KR" sz="1100" dirty="0" err="1"/>
+              <a:t>ylab</a:t>
+            </a:r>
+            <a:r>
+              <a:rPr lang="en-US" altLang="ko-KR" sz="1100" dirty="0"/>
+              <a:t>="Order")</a:t>
+            </a:r>
+          </a:p>
+          <a:p>
+            <a:pPr marL="266700" lvl="1" indent="0">
+              <a:buNone/>
+            </a:pPr>
+            <a:endParaRPr lang="en-US" altLang="ko-KR" sz="1100" dirty="0"/>
+          </a:p>
+          <a:p>
+            <a:pPr marL="266700" lvl="1" indent="0">
+              <a:buNone/>
+            </a:pPr>
+            <a:r>
+              <a:rPr lang="en-US" altLang="ko-KR" sz="1100" dirty="0"/>
+              <a:t>relation_FC2 &lt;- </a:t>
+            </a:r>
+            <a:r>
+              <a:rPr lang="en-US" altLang="ko-KR" sz="1100" dirty="0" err="1"/>
+              <a:t>lm</a:t>
+            </a:r>
+            <a:r>
+              <a:rPr lang="en-US" altLang="ko-KR" sz="1100" dirty="0"/>
+              <a:t>(FC2$Daily_order ~ FC2$Seq)</a:t>
+            </a:r>
+          </a:p>
+          <a:p>
+            <a:pPr marL="266700" lvl="1" indent="0">
+              <a:buNone/>
+            </a:pPr>
+            <a:r>
+              <a:rPr lang="en-US" altLang="ko-KR" sz="1100" dirty="0"/>
+              <a:t>print(relation_FC2)</a:t>
+            </a:r>
+          </a:p>
+          <a:p>
+            <a:pPr marL="266700" lvl="1" indent="0">
+              <a:buNone/>
+            </a:pPr>
+            <a:r>
+              <a:rPr lang="en-US" altLang="ko-KR" sz="1100" dirty="0"/>
+              <a:t>summary(relation_FC2)</a:t>
+            </a:r>
+          </a:p>
+          <a:p>
+            <a:pPr marL="266700" lvl="1" indent="0">
+              <a:buNone/>
+            </a:pPr>
+            <a:r>
+              <a:rPr lang="en-US" altLang="ko-KR" sz="1100" dirty="0"/>
+              <a:t>plot(FC2$Seq,FC2$Daily_order, col = "blue", main = "Timeseries regression",</a:t>
+            </a:r>
+          </a:p>
+          <a:p>
+            <a:pPr marL="266700" lvl="1" indent="0">
+              <a:buNone/>
+            </a:pPr>
+            <a:r>
+              <a:rPr lang="en-US" altLang="ko-KR" sz="1100" dirty="0"/>
+              <a:t>     </a:t>
+            </a:r>
+            <a:r>
+              <a:rPr lang="en-US" altLang="ko-KR" sz="1100" dirty="0" err="1"/>
+              <a:t>abline</a:t>
+            </a:r>
+            <a:r>
+              <a:rPr lang="en-US" altLang="ko-KR" sz="1100" dirty="0"/>
+              <a:t>(</a:t>
+            </a:r>
+            <a:r>
+              <a:rPr lang="en-US" altLang="ko-KR" sz="1100" dirty="0" err="1"/>
+              <a:t>lm</a:t>
+            </a:r>
+            <a:r>
+              <a:rPr lang="en-US" altLang="ko-KR" sz="1100" dirty="0"/>
+              <a:t>(FC2$Daily_order ~ FC2$Seq)), </a:t>
+            </a:r>
+            <a:r>
+              <a:rPr lang="en-US" altLang="ko-KR" sz="1100" dirty="0" err="1"/>
+              <a:t>cex</a:t>
+            </a:r>
+            <a:r>
+              <a:rPr lang="en-US" altLang="ko-KR" sz="1100" dirty="0"/>
+              <a:t> =1.3, </a:t>
+            </a:r>
+            <a:r>
+              <a:rPr lang="en-US" altLang="ko-KR" sz="1100" dirty="0" err="1"/>
+              <a:t>pch</a:t>
+            </a:r>
+            <a:r>
+              <a:rPr lang="en-US" altLang="ko-KR" sz="1100" dirty="0"/>
+              <a:t> =16, </a:t>
+            </a:r>
+            <a:r>
+              <a:rPr lang="en-US" altLang="ko-KR" sz="1100" dirty="0" err="1"/>
+              <a:t>xlab</a:t>
+            </a:r>
+            <a:r>
+              <a:rPr lang="en-US" altLang="ko-KR" sz="1100" dirty="0"/>
+              <a:t>="Day", </a:t>
+            </a:r>
+            <a:r>
+              <a:rPr lang="en-US" altLang="ko-KR" sz="1100" dirty="0" err="1"/>
+              <a:t>ylab</a:t>
+            </a:r>
+            <a:r>
+              <a:rPr lang="en-US" altLang="ko-KR" sz="1100" dirty="0"/>
+              <a:t>="Order")</a:t>
+            </a:r>
+          </a:p>
+          <a:p>
+            <a:pPr marL="266700" lvl="1" indent="0">
+              <a:buNone/>
+            </a:pPr>
+            <a:endParaRPr lang="en-US" altLang="ko-KR" sz="1100" dirty="0"/>
+          </a:p>
+          <a:p>
+            <a:pPr marL="266700" lvl="1" indent="0">
+              <a:buNone/>
+            </a:pPr>
+            <a:r>
+              <a:rPr lang="en-US" altLang="ko-KR" sz="1100" dirty="0"/>
+              <a:t>relation_FC3 &lt;- </a:t>
+            </a:r>
+            <a:r>
+              <a:rPr lang="en-US" altLang="ko-KR" sz="1100" dirty="0" err="1"/>
+              <a:t>lm</a:t>
+            </a:r>
+            <a:r>
+              <a:rPr lang="en-US" altLang="ko-KR" sz="1100" dirty="0"/>
+              <a:t>(FC3$Daily_order ~ FC1$Seq)</a:t>
+            </a:r>
+          </a:p>
+          <a:p>
+            <a:pPr marL="266700" lvl="1" indent="0">
+              <a:buNone/>
+            </a:pPr>
+            <a:r>
+              <a:rPr lang="en-US" altLang="ko-KR" sz="1100" dirty="0"/>
+              <a:t>print(relation_FC3)</a:t>
+            </a:r>
+          </a:p>
+          <a:p>
+            <a:pPr marL="266700" lvl="1" indent="0">
+              <a:buNone/>
+            </a:pPr>
+            <a:r>
+              <a:rPr lang="en-US" altLang="ko-KR" sz="1100" dirty="0"/>
+              <a:t>summary(relation_FC3)</a:t>
+            </a:r>
+          </a:p>
+          <a:p>
+            <a:pPr marL="266700" lvl="1" indent="0">
+              <a:buNone/>
+            </a:pPr>
+            <a:r>
+              <a:rPr lang="en-US" altLang="ko-KR" sz="1100" dirty="0"/>
+              <a:t>plot(FC3$Seq,FC3$Daily_order, col = "blue", main = "Timeseries regression",</a:t>
+            </a:r>
+          </a:p>
+          <a:p>
+            <a:pPr marL="266700" lvl="1" indent="0">
+              <a:buNone/>
+            </a:pPr>
+            <a:r>
+              <a:rPr lang="en-US" altLang="ko-KR" sz="1100" dirty="0"/>
+              <a:t>     </a:t>
+            </a:r>
+            <a:r>
+              <a:rPr lang="en-US" altLang="ko-KR" sz="1100" dirty="0" err="1"/>
+              <a:t>abline</a:t>
+            </a:r>
+            <a:r>
+              <a:rPr lang="en-US" altLang="ko-KR" sz="1100" dirty="0"/>
+              <a:t>(</a:t>
+            </a:r>
+            <a:r>
+              <a:rPr lang="en-US" altLang="ko-KR" sz="1100" dirty="0" err="1"/>
+              <a:t>lm</a:t>
+            </a:r>
+            <a:r>
+              <a:rPr lang="en-US" altLang="ko-KR" sz="1100" dirty="0"/>
+              <a:t>(FC3$Daily_order ~ FC3$Seq)), </a:t>
+            </a:r>
+            <a:r>
+              <a:rPr lang="en-US" altLang="ko-KR" sz="1100" dirty="0" err="1"/>
+              <a:t>cex</a:t>
+            </a:r>
+            <a:r>
+              <a:rPr lang="en-US" altLang="ko-KR" sz="1100" dirty="0"/>
+              <a:t> =1.3, </a:t>
+            </a:r>
+            <a:r>
+              <a:rPr lang="en-US" altLang="ko-KR" sz="1100" dirty="0" err="1"/>
+              <a:t>pch</a:t>
+            </a:r>
+            <a:r>
+              <a:rPr lang="en-US" altLang="ko-KR" sz="1100" dirty="0"/>
+              <a:t> =16, </a:t>
+            </a:r>
+            <a:r>
+              <a:rPr lang="en-US" altLang="ko-KR" sz="1100" dirty="0" err="1"/>
+              <a:t>xlab</a:t>
+            </a:r>
+            <a:r>
+              <a:rPr lang="en-US" altLang="ko-KR" sz="1100" dirty="0"/>
+              <a:t>="Day", </a:t>
+            </a:r>
+            <a:r>
+              <a:rPr lang="en-US" altLang="ko-KR" sz="1100" dirty="0" err="1"/>
+              <a:t>ylab</a:t>
+            </a:r>
+            <a:r>
+              <a:rPr lang="en-US" altLang="ko-KR" sz="1100" dirty="0"/>
+              <a:t>="Order")</a:t>
+            </a:r>
+          </a:p>
+          <a:p>
+            <a:pPr marL="266700" lvl="1" indent="0">
+              <a:buNone/>
+            </a:pPr>
+            <a:endParaRPr lang="en-US" altLang="ko-KR" sz="1200" dirty="0"/>
+          </a:p>
+          <a:p>
+            <a:pPr marL="266700" lvl="1" indent="0">
+              <a:buNone/>
+            </a:pPr>
+            <a:endParaRPr lang="en-US" altLang="ko-KR" sz="1200" dirty="0"/>
+          </a:p>
+          <a:p>
+            <a:pPr marL="266700" lvl="1" indent="0">
+              <a:buNone/>
+            </a:pPr>
+            <a:endParaRPr lang="en-US" altLang="ko-KR" sz="1200" dirty="0"/>
+          </a:p>
+          <a:p>
+            <a:pPr marL="266700" lvl="1" indent="0">
+              <a:buNone/>
+            </a:pPr>
+            <a:endParaRPr lang="en-US" altLang="ko-KR" sz="1200" dirty="0"/>
+          </a:p>
+          <a:p>
+            <a:pPr marL="266700" lvl="1" indent="0">
+              <a:buNone/>
+            </a:pPr>
+            <a:endParaRPr lang="en-US" altLang="ko-KR" sz="1200" dirty="0"/>
+          </a:p>
+          <a:p>
+            <a:pPr marL="266700" lvl="1" indent="0">
+              <a:buNone/>
+            </a:pPr>
+            <a:endParaRPr lang="en-US" altLang="ko-KR" sz="1200" dirty="0"/>
+          </a:p>
+        </p:txBody>
+      </p:sp>
+      <p:sp>
+        <p:nvSpPr>
+          <p:cNvPr id="8" name="화살표: 아래쪽 7">
+            <a:extLst>
+              <a:ext uri="{FF2B5EF4-FFF2-40B4-BE49-F238E27FC236}">
+                <a16:creationId xmlns:a16="http://schemas.microsoft.com/office/drawing/2014/main" id="{A1E5E879-4A86-423B-8907-9063A803BAD7}"/>
+              </a:ext>
+            </a:extLst>
+          </p:cNvPr>
+          <p:cNvSpPr/>
+          <p:nvPr/>
+        </p:nvSpPr>
+        <p:spPr>
+          <a:xfrm>
+            <a:off x="1773972" y="5042514"/>
+            <a:ext cx="2947386" cy="355044"/>
+          </a:xfrm>
+          <a:prstGeom prst="downArrow">
+            <a:avLst>
+              <a:gd name="adj1" fmla="val 48795"/>
+              <a:gd name="adj2" fmla="val 57501"/>
+            </a:avLst>
+          </a:prstGeom>
+        </p:spPr>
+        <p:style>
+          <a:lnRef idx="2">
+            <a:schemeClr val="accent1">
+              <a:shade val="50000"/>
+            </a:schemeClr>
+          </a:lnRef>
+          <a:fillRef idx="1">
+            <a:schemeClr val="accent1"/>
+          </a:fillRef>
+          <a:effectRef idx="0">
+            <a:schemeClr val="accent1"/>
+          </a:effectRef>
+          <a:fontRef idx="minor">
+            <a:schemeClr val="lt1"/>
+          </a:fontRef>
+        </p:style>
+        <p:txBody>
+          <a:bodyPr lIns="0" tIns="0" rIns="0" bIns="0" rtlCol="0" anchor="ctr">
+            <a:spAutoFit/>
+          </a:bodyPr>
+          <a:lstStyle/>
+          <a:p>
+            <a:pPr algn="ctr"/>
+            <a:r>
+              <a:rPr lang="en-US" altLang="ko-KR" sz="1400" dirty="0"/>
+              <a:t>Result</a:t>
+            </a:r>
+            <a:endParaRPr lang="ko-KR" altLang="en-US" sz="1400" dirty="0"/>
+          </a:p>
+        </p:txBody>
+      </p:sp>
+      <p:pic>
+        <p:nvPicPr>
+          <p:cNvPr id="5" name="그림 4">
+            <a:extLst>
+              <a:ext uri="{FF2B5EF4-FFF2-40B4-BE49-F238E27FC236}">
+                <a16:creationId xmlns:a16="http://schemas.microsoft.com/office/drawing/2014/main" id="{3534C3B0-FF80-4973-8D5E-0A333D26888D}"/>
+              </a:ext>
+            </a:extLst>
+          </p:cNvPr>
+          <p:cNvPicPr>
+            <a:picLocks noChangeAspect="1"/>
+          </p:cNvPicPr>
+          <p:nvPr/>
+        </p:nvPicPr>
+        <p:blipFill>
+          <a:blip r:embed="rId2"/>
+          <a:stretch>
+            <a:fillRect/>
+          </a:stretch>
+        </p:blipFill>
+        <p:spPr>
+          <a:xfrm>
+            <a:off x="407812" y="5492354"/>
+            <a:ext cx="2312788" cy="1365646"/>
+          </a:xfrm>
+          <a:prstGeom prst="rect">
+            <a:avLst/>
+          </a:prstGeom>
+        </p:spPr>
+      </p:pic>
+      <p:pic>
+        <p:nvPicPr>
+          <p:cNvPr id="9" name="그림 8">
+            <a:extLst>
+              <a:ext uri="{FF2B5EF4-FFF2-40B4-BE49-F238E27FC236}">
+                <a16:creationId xmlns:a16="http://schemas.microsoft.com/office/drawing/2014/main" id="{482F49A8-C1EE-4ADA-B314-E697BD02DDE3}"/>
+              </a:ext>
+            </a:extLst>
+          </p:cNvPr>
+          <p:cNvPicPr>
+            <a:picLocks noChangeAspect="1"/>
+          </p:cNvPicPr>
+          <p:nvPr/>
+        </p:nvPicPr>
+        <p:blipFill>
+          <a:blip r:embed="rId3"/>
+          <a:stretch>
+            <a:fillRect/>
+          </a:stretch>
+        </p:blipFill>
+        <p:spPr>
+          <a:xfrm>
+            <a:off x="2720599" y="5492355"/>
+            <a:ext cx="2312787" cy="1378138"/>
+          </a:xfrm>
+          <a:prstGeom prst="rect">
+            <a:avLst/>
+          </a:prstGeom>
+        </p:spPr>
+      </p:pic>
+      <p:pic>
+        <p:nvPicPr>
+          <p:cNvPr id="11" name="그림 10">
+            <a:extLst>
+              <a:ext uri="{FF2B5EF4-FFF2-40B4-BE49-F238E27FC236}">
+                <a16:creationId xmlns:a16="http://schemas.microsoft.com/office/drawing/2014/main" id="{DF68100C-2831-475F-A140-2809F03FE117}"/>
+              </a:ext>
+            </a:extLst>
+          </p:cNvPr>
+          <p:cNvPicPr>
+            <a:picLocks noChangeAspect="1"/>
+          </p:cNvPicPr>
+          <p:nvPr/>
+        </p:nvPicPr>
+        <p:blipFill>
+          <a:blip r:embed="rId4"/>
+          <a:stretch>
+            <a:fillRect/>
+          </a:stretch>
+        </p:blipFill>
+        <p:spPr>
+          <a:xfrm>
+            <a:off x="5042265" y="5514812"/>
+            <a:ext cx="2312788" cy="1368049"/>
+          </a:xfrm>
+          <a:prstGeom prst="rect">
+            <a:avLst/>
+          </a:prstGeom>
+        </p:spPr>
+      </p:pic>
+    </p:spTree>
+    <p:extLst>
+      <p:ext uri="{BB962C8B-B14F-4D97-AF65-F5344CB8AC3E}">
+        <p14:creationId xmlns:p14="http://schemas.microsoft.com/office/powerpoint/2010/main" val="3275691771"/>
+      </p:ext>
+    </p:extLst>
+  </p:cSld>
+  <p:clrMapOvr>
+    <a:masterClrMapping/>
+  </p:clrMapOvr>
+</p:sld>
+</file>
+
+<file path=ppt/slides/slide7.xml><?xml version="1.0" encoding="utf-8"?>
 <p:sld xmlns:a="http://schemas.openxmlformats.org/drawingml/2006/main" xmlns:r="http://schemas.openxmlformats.org/officeDocument/2006/relationships" xmlns:p="http://schemas.openxmlformats.org/presentationml/2006/main">
   <p:cSld>
     <p:bg>
@@ -4140,66 +5955,6 @@
           <a:chExt cx="0" cy="0"/>
         </a:xfrm>
       </p:grpSpPr>
-      <p:sp useBgFill="1">
-        <p:nvSpPr>
-          <p:cNvPr id="10" name="Rectangle 9">
-            <a:extLst>
-              <a:ext uri="{FF2B5EF4-FFF2-40B4-BE49-F238E27FC236}">
-                <a16:creationId xmlns:a16="http://schemas.microsoft.com/office/drawing/2014/main" id="{53F29798-D584-4792-9B62-3F5F5C36D619}"/>
-              </a:ext>
-              <a:ext uri="{C183D7F6-B498-43B3-948B-1728B52AA6E4}">
-                <adec:decorative xmlns:adec="http://schemas.microsoft.com/office/drawing/2017/decorative" val="1"/>
-              </a:ext>
-            </a:extLst>
-          </p:cNvPr>
-          <p:cNvSpPr>
-            <a:spLocks noGrp="1" noRot="1" noChangeAspect="1" noMove="1" noResize="1" noEditPoints="1" noAdjustHandles="1" noChangeArrowheads="1" noChangeShapeType="1" noTextEdit="1"/>
-          </p:cNvSpPr>
-          <p:nvPr>
-            <p:extLst>
-              <p:ext uri="{386F3935-93C4-4BCD-93E2-E3B085C9AB24}">
-                <p16:designElem xmlns:p16="http://schemas.microsoft.com/office/powerpoint/2015/main" val="1"/>
-              </p:ext>
-            </p:extLst>
-          </p:nvPr>
-        </p:nvSpPr>
-        <p:spPr>
-          <a:xfrm>
-            <a:off x="0" y="0"/>
-            <a:ext cx="9141714" cy="6858000"/>
-          </a:xfrm>
-          <a:prstGeom prst="rect">
-            <a:avLst/>
-          </a:prstGeom>
-          <a:ln>
-            <a:noFill/>
-          </a:ln>
-        </p:spPr>
-        <p:style>
-          <a:lnRef idx="2">
-            <a:schemeClr val="accent1">
-              <a:shade val="50000"/>
-            </a:schemeClr>
-          </a:lnRef>
-          <a:fillRef idx="1">
-            <a:schemeClr val="accent1"/>
-          </a:fillRef>
-          <a:effectRef idx="0">
-            <a:schemeClr val="accent1"/>
-          </a:effectRef>
-          <a:fontRef idx="minor">
-            <a:schemeClr val="lt1"/>
-          </a:fontRef>
-        </p:style>
-        <p:txBody>
-          <a:bodyPr rtlCol="0" anchor="ctr"/>
-          <a:lstStyle/>
-          <a:p>
-            <a:pPr algn="ctr"/>
-            <a:endParaRPr lang="en-US"/>
-          </a:p>
-        </p:txBody>
-      </p:sp>
       <p:sp>
         <p:nvSpPr>
           <p:cNvPr id="2" name="Title 1">
@@ -4218,8 +5973,8 @@
         </p:nvSpPr>
         <p:spPr>
           <a:xfrm>
-            <a:off x="628650" y="184805"/>
-            <a:ext cx="7886700" cy="1505883"/>
+            <a:off x="360759" y="3752849"/>
+            <a:ext cx="2468166" cy="2452687"/>
           </a:xfrm>
         </p:spPr>
         <p:txBody>
@@ -4230,25 +5985,21 @@
           <a:p>
             <a:pPr latinLnBrk="0"/>
             <a:r>
-              <a:rPr lang="en-US" altLang="ko-KR" sz="4500" kern="1200">
-                <a:solidFill>
-                  <a:schemeClr val="tx1"/>
-                </a:solidFill>
+              <a:rPr lang="en-US" altLang="ko-KR" sz="3100">
                 <a:latin typeface="+mj-lt"/>
-                <a:ea typeface="+mj-ea"/>
                 <a:cs typeface="+mj-cs"/>
               </a:rPr>
-              <a:t>Appendix. Raw data format</a:t>
+              <a:t>Conclusion</a:t>
             </a:r>
           </a:p>
         </p:txBody>
       </p:sp>
       <p:pic>
         <p:nvPicPr>
-          <p:cNvPr id="5" name="그림 4" descr="텍스트, 벽이(가) 표시된 사진&#10;&#10;자동 생성된 설명">
+          <p:cNvPr id="6" name="Picture 4" descr="White puzzle with one red piece">
             <a:extLst>
               <a:ext uri="{FF2B5EF4-FFF2-40B4-BE49-F238E27FC236}">
-                <a16:creationId xmlns:a16="http://schemas.microsoft.com/office/drawing/2014/main" id="{88093CE4-DE47-4C33-8DAC-453C9344159A}"/>
+                <a16:creationId xmlns:a16="http://schemas.microsoft.com/office/drawing/2014/main" id="{201F899B-63EA-459D-B3B1-AE16FB51B236}"/>
               </a:ext>
             </a:extLst>
           </p:cNvPr>
@@ -4257,31 +6008,119 @@
           </p:cNvPicPr>
           <p:nvPr/>
         </p:nvPicPr>
-        <p:blipFill>
+        <p:blipFill rotWithShape="1">
           <a:blip r:embed="rId2"/>
-          <a:stretch>
-            <a:fillRect/>
-          </a:stretch>
+          <a:srcRect t="9632" b="18226"/>
+          <a:stretch/>
         </p:blipFill>
         <p:spPr>
           <a:xfrm>
-            <a:off x="142268" y="2213201"/>
-            <a:ext cx="8859463" cy="3543785"/>
-          </a:xfrm>
-          <a:prstGeom prst="rect">
-            <a:avLst/>
-          </a:prstGeom>
-          <a:ln>
-            <a:solidFill>
-              <a:schemeClr val="tx1"/>
-            </a:solidFill>
-          </a:ln>
+            <a:off x="20" y="10"/>
+            <a:ext cx="9143980" cy="3710603"/>
+          </a:xfrm>
+          <a:custGeom>
+            <a:avLst/>
+            <a:gdLst/>
+            <a:ahLst/>
+            <a:cxnLst/>
+            <a:rect l="l" t="t" r="r" b="b"/>
+            <a:pathLst>
+              <a:path w="12192000" h="3692092">
+                <a:moveTo>
+                  <a:pt x="0" y="0"/>
+                </a:moveTo>
+                <a:lnTo>
+                  <a:pt x="12192000" y="0"/>
+                </a:lnTo>
+                <a:lnTo>
+                  <a:pt x="12192000" y="3504824"/>
+                </a:lnTo>
+                <a:lnTo>
+                  <a:pt x="12024691" y="3517794"/>
+                </a:lnTo>
+                <a:cubicBezTo>
+                  <a:pt x="8077523" y="3783195"/>
+                  <a:pt x="4094678" y="3026959"/>
+                  <a:pt x="160485" y="3663863"/>
+                </a:cubicBezTo>
+                <a:lnTo>
+                  <a:pt x="0" y="3692092"/>
+                </a:lnTo>
+                <a:close/>
+              </a:path>
+            </a:pathLst>
+          </a:custGeom>
         </p:spPr>
       </p:pic>
+      <p:sp>
+        <p:nvSpPr>
+          <p:cNvPr id="3" name="Content Placeholder 2">
+            <a:extLst>
+              <a:ext uri="{FF2B5EF4-FFF2-40B4-BE49-F238E27FC236}">
+                <a16:creationId xmlns:a16="http://schemas.microsoft.com/office/drawing/2014/main" id="{569209E9-3F06-4F91-BA3B-F8CB4B39F30D}"/>
+              </a:ext>
+            </a:extLst>
+          </p:cNvPr>
+          <p:cNvSpPr>
+            <a:spLocks noGrp="1"/>
+          </p:cNvSpPr>
+          <p:nvPr>
+            <p:ph idx="1"/>
+          </p:nvPr>
+        </p:nvSpPr>
+        <p:spPr>
+          <a:xfrm>
+            <a:off x="2592280" y="3710613"/>
+            <a:ext cx="6400800" cy="3147377"/>
+          </a:xfrm>
+        </p:spPr>
+        <p:txBody>
+          <a:bodyPr vert="horz" lIns="91440" tIns="45720" rIns="91440" bIns="45720" rtlCol="0" anchor="ctr">
+            <a:normAutofit/>
+          </a:bodyPr>
+          <a:lstStyle/>
+          <a:p>
+            <a:pPr latinLnBrk="0">
+              <a:buFont typeface="Arial" panose="020B0604020202020204" pitchFamily="34" charset="0"/>
+              <a:buChar char="•"/>
+            </a:pPr>
+            <a:r>
+              <a:rPr lang="en-US" altLang="ko-KR" sz="1600" dirty="0">
+                <a:cs typeface="+mn-cs"/>
+              </a:rPr>
+              <a:t>In order to use Lear regression model for this case, </a:t>
+            </a:r>
+          </a:p>
+          <a:p>
+            <a:pPr marL="0" latinLnBrk="0">
+              <a:buFont typeface="Arial" panose="020B0604020202020204" pitchFamily="34" charset="0"/>
+              <a:buChar char="•"/>
+            </a:pPr>
+            <a:r>
+              <a:rPr lang="en-US" altLang="ko-KR" sz="1600" dirty="0">
+                <a:cs typeface="+mn-cs"/>
+              </a:rPr>
+              <a:t>Adjusted R square and P-value should be within the proper range. In this case, Every Adjusted R square for three FCs are less than 0.1 which is very low which indicate the inferred model is not explainable for the real situation. Besides, P-value is much more than 0.05 which also makes the model not trustworthy. </a:t>
+            </a:r>
+          </a:p>
+          <a:p>
+            <a:pPr marL="0" latinLnBrk="0">
+              <a:buFont typeface="Arial" panose="020B0604020202020204" pitchFamily="34" charset="0"/>
+              <a:buChar char="•"/>
+            </a:pPr>
+            <a:r>
+              <a:rPr lang="en-US" altLang="ko-KR" sz="1600" dirty="0">
+                <a:cs typeface="+mn-cs"/>
+              </a:rPr>
+              <a:t>Due to the high fluctuation in daily order in each fulfillment center, capacity management is very difficult. In order to reduce the order fluctuation in each fulfillment center, combining fulfillment centers into 1 or 2 seems required. </a:t>
+            </a:r>
+          </a:p>
+        </p:txBody>
+      </p:sp>
     </p:spTree>
     <p:extLst>
       <p:ext uri="{BB962C8B-B14F-4D97-AF65-F5344CB8AC3E}">
-        <p14:creationId xmlns:p14="http://schemas.microsoft.com/office/powerpoint/2010/main" val="4271583861"/>
+        <p14:creationId xmlns:p14="http://schemas.microsoft.com/office/powerpoint/2010/main" val="1087567862"/>
       </p:ext>
     </p:extLst>
   </p:cSld>
